--- a/input/images/source/DEQM Resource Diagram - VTE.pptx
+++ b/input/images/source/DEQM Resource Diagram - VTE.pptx
@@ -223,7 +223,7 @@
           <a:p>
             <a:fld id="{4E266053-7327-E248-83C1-2353FC77D2E7}" type="datetimeFigureOut">
               <a:rPr lang="en-US" smtClean="0"/>
-              <a:t>5/19/19</a:t>
+              <a:t>4/14/2021</a:t>
             </a:fld>
             <a:endParaRPr lang="en-US"/>
           </a:p>
@@ -753,7 +753,7 @@
           <a:p>
             <a:fld id="{7D2F21E0-95B6-4C5C-A55D-C5056E4C25C4}" type="datetimeFigureOut">
               <a:rPr lang="en-US" smtClean="0"/>
-              <a:t>5/19/19</a:t>
+              <a:t>4/14/2021</a:t>
             </a:fld>
             <a:endParaRPr lang="en-US"/>
           </a:p>
@@ -921,7 +921,7 @@
           <a:p>
             <a:fld id="{7D2F21E0-95B6-4C5C-A55D-C5056E4C25C4}" type="datetimeFigureOut">
               <a:rPr lang="en-US" smtClean="0"/>
-              <a:t>5/19/19</a:t>
+              <a:t>4/14/2021</a:t>
             </a:fld>
             <a:endParaRPr lang="en-US"/>
           </a:p>
@@ -1099,7 +1099,7 @@
           <a:p>
             <a:fld id="{7D2F21E0-95B6-4C5C-A55D-C5056E4C25C4}" type="datetimeFigureOut">
               <a:rPr lang="en-US" smtClean="0"/>
-              <a:t>5/19/19</a:t>
+              <a:t>4/14/2021</a:t>
             </a:fld>
             <a:endParaRPr lang="en-US"/>
           </a:p>
@@ -1267,7 +1267,7 @@
           <a:p>
             <a:fld id="{7D2F21E0-95B6-4C5C-A55D-C5056E4C25C4}" type="datetimeFigureOut">
               <a:rPr lang="en-US" smtClean="0"/>
-              <a:t>5/19/19</a:t>
+              <a:t>4/14/2021</a:t>
             </a:fld>
             <a:endParaRPr lang="en-US"/>
           </a:p>
@@ -1512,7 +1512,7 @@
           <a:p>
             <a:fld id="{7D2F21E0-95B6-4C5C-A55D-C5056E4C25C4}" type="datetimeFigureOut">
               <a:rPr lang="en-US" smtClean="0"/>
-              <a:t>5/19/19</a:t>
+              <a:t>4/14/2021</a:t>
             </a:fld>
             <a:endParaRPr lang="en-US"/>
           </a:p>
@@ -1797,7 +1797,7 @@
           <a:p>
             <a:fld id="{7D2F21E0-95B6-4C5C-A55D-C5056E4C25C4}" type="datetimeFigureOut">
               <a:rPr lang="en-US" smtClean="0"/>
-              <a:t>5/19/19</a:t>
+              <a:t>4/14/2021</a:t>
             </a:fld>
             <a:endParaRPr lang="en-US"/>
           </a:p>
@@ -2216,7 +2216,7 @@
           <a:p>
             <a:fld id="{7D2F21E0-95B6-4C5C-A55D-C5056E4C25C4}" type="datetimeFigureOut">
               <a:rPr lang="en-US" smtClean="0"/>
-              <a:t>5/19/19</a:t>
+              <a:t>4/14/2021</a:t>
             </a:fld>
             <a:endParaRPr lang="en-US"/>
           </a:p>
@@ -2333,7 +2333,7 @@
           <a:p>
             <a:fld id="{7D2F21E0-95B6-4C5C-A55D-C5056E4C25C4}" type="datetimeFigureOut">
               <a:rPr lang="en-US" smtClean="0"/>
-              <a:t>5/19/19</a:t>
+              <a:t>4/14/2021</a:t>
             </a:fld>
             <a:endParaRPr lang="en-US"/>
           </a:p>
@@ -2428,7 +2428,7 @@
           <a:p>
             <a:fld id="{7D2F21E0-95B6-4C5C-A55D-C5056E4C25C4}" type="datetimeFigureOut">
               <a:rPr lang="en-US" smtClean="0"/>
-              <a:t>5/19/19</a:t>
+              <a:t>4/14/2021</a:t>
             </a:fld>
             <a:endParaRPr lang="en-US"/>
           </a:p>
@@ -2703,7 +2703,7 @@
           <a:p>
             <a:fld id="{7D2F21E0-95B6-4C5C-A55D-C5056E4C25C4}" type="datetimeFigureOut">
               <a:rPr lang="en-US" smtClean="0"/>
-              <a:t>5/19/19</a:t>
+              <a:t>4/14/2021</a:t>
             </a:fld>
             <a:endParaRPr lang="en-US"/>
           </a:p>
@@ -2955,7 +2955,7 @@
           <a:p>
             <a:fld id="{7D2F21E0-95B6-4C5C-A55D-C5056E4C25C4}" type="datetimeFigureOut">
               <a:rPr lang="en-US" smtClean="0"/>
-              <a:t>5/19/19</a:t>
+              <a:t>4/14/2021</a:t>
             </a:fld>
             <a:endParaRPr lang="en-US"/>
           </a:p>
@@ -3166,7 +3166,7 @@
           <a:p>
             <a:fld id="{7D2F21E0-95B6-4C5C-A55D-C5056E4C25C4}" type="datetimeFigureOut">
               <a:rPr lang="en-US" smtClean="0"/>
-              <a:t>5/19/19</a:t>
+              <a:t>4/14/2021</a:t>
             </a:fld>
             <a:endParaRPr lang="en-US"/>
           </a:p>
@@ -4081,7 +4081,7 @@
             <a:pPr algn="ctr"/>
             <a:r>
               <a:rPr lang="en-US" sz="1100" b="1" dirty="0"/>
-              <a:t>supportingOrganization</a:t>
+              <a:t>reporter</a:t>
             </a:r>
           </a:p>
         </p:txBody>
@@ -4145,7 +4145,7 @@
             <a:pPr algn="ctr"/>
             <a:r>
               <a:rPr lang="en-US" sz="1100" b="1" dirty="0"/>
-              <a:t>patient</a:t>
+              <a:t>subject</a:t>
             </a:r>
           </a:p>
         </p:txBody>
@@ -5682,7 +5682,7 @@
             <a:pPr algn="ctr"/>
             <a:r>
               <a:rPr lang="en-US" sz="1100" b="1" dirty="0"/>
-              <a:t>supportingOrganization</a:t>
+              <a:t>reporter</a:t>
             </a:r>
           </a:p>
         </p:txBody>
@@ -5746,7 +5746,7 @@
             <a:pPr algn="ctr"/>
             <a:r>
               <a:rPr lang="en-US" sz="1100" b="1" dirty="0"/>
-              <a:t>patient</a:t>
+              <a:t>subject</a:t>
             </a:r>
           </a:p>
         </p:txBody>
@@ -7758,7 +7758,7 @@
             <a:pPr algn="ctr"/>
             <a:r>
               <a:rPr lang="en-US" sz="1100" b="1" dirty="0"/>
-              <a:t>supportingOrganization</a:t>
+              <a:t>reporter</a:t>
             </a:r>
           </a:p>
         </p:txBody>
@@ -7771,8 +7771,8 @@
         </p:nvSpPr>
         <p:spPr>
           <a:xfrm>
-            <a:off x="3048000" y="3443657"/>
-            <a:ext cx="1143000" cy="261610"/>
+            <a:off x="3134557" y="3417527"/>
+            <a:ext cx="918895" cy="261610"/>
           </a:xfrm>
           <a:prstGeom prst="rect">
             <a:avLst/>
@@ -7790,7 +7790,7 @@
             <a:pPr algn="ctr"/>
             <a:r>
               <a:rPr lang="en-US" sz="1100" b="1" dirty="0"/>
-              <a:t>patient</a:t>
+              <a:t>subject</a:t>
             </a:r>
           </a:p>
         </p:txBody>
@@ -9799,7 +9799,7 @@
             <a:pPr algn="ctr"/>
             <a:r>
               <a:rPr lang="en-US" sz="1100" b="1" dirty="0"/>
-              <a:t>supportingOrganization</a:t>
+              <a:t>reporter</a:t>
             </a:r>
           </a:p>
         </p:txBody>
@@ -9812,8 +9812,8 @@
         </p:nvSpPr>
         <p:spPr>
           <a:xfrm>
-            <a:off x="3048000" y="3443657"/>
-            <a:ext cx="1143000" cy="261610"/>
+            <a:off x="3028021" y="3391690"/>
+            <a:ext cx="918895" cy="261610"/>
           </a:xfrm>
           <a:prstGeom prst="rect">
             <a:avLst/>
@@ -9831,7 +9831,7 @@
             <a:pPr algn="ctr"/>
             <a:r>
               <a:rPr lang="en-US" sz="1100" b="1" dirty="0"/>
-              <a:t>patient</a:t>
+              <a:t>subject</a:t>
             </a:r>
           </a:p>
         </p:txBody>
@@ -12238,7 +12238,7 @@
             <a:pPr algn="ctr"/>
             <a:r>
               <a:rPr lang="en-US" sz="1100" b="1" dirty="0"/>
-              <a:t>supportingOrganization</a:t>
+              <a:t>reporter</a:t>
             </a:r>
           </a:p>
         </p:txBody>
@@ -12973,7 +12973,7 @@
             <a:pPr algn="ctr"/>
             <a:r>
               <a:rPr lang="en-US" sz="1100" b="1" dirty="0"/>
-              <a:t>patient</a:t>
+              <a:t>subject</a:t>
             </a:r>
           </a:p>
         </p:txBody>
@@ -15172,7 +15172,7 @@
             <a:pPr algn="ctr"/>
             <a:r>
               <a:rPr lang="en-US" sz="1100" b="1" dirty="0"/>
-              <a:t>supportingOrganization</a:t>
+              <a:t>reporter</a:t>
             </a:r>
           </a:p>
         </p:txBody>
@@ -15790,8 +15790,8 @@
         </p:nvSpPr>
         <p:spPr>
           <a:xfrm>
-            <a:off x="2971393" y="2588462"/>
-            <a:ext cx="640000" cy="261610"/>
+            <a:off x="2977321" y="2499506"/>
+            <a:ext cx="724560" cy="261610"/>
           </a:xfrm>
           <a:prstGeom prst="rect">
             <a:avLst/>
@@ -15809,7 +15809,7 @@
             <a:pPr algn="ctr"/>
             <a:r>
               <a:rPr lang="en-US" sz="1100" b="1" dirty="0"/>
-              <a:t>patient</a:t>
+              <a:t>subject</a:t>
             </a:r>
           </a:p>
         </p:txBody>
@@ -17669,7 +17669,7 @@
             <a:pPr algn="ctr"/>
             <a:r>
               <a:rPr lang="en-US" sz="1100" b="1" dirty="0"/>
-              <a:t>supportingOrganization</a:t>
+              <a:t>reporter</a:t>
             </a:r>
           </a:p>
         </p:txBody>
@@ -17733,7 +17733,7 @@
             <a:pPr algn="ctr"/>
             <a:r>
               <a:rPr lang="en-US" sz="1100" b="1" dirty="0"/>
-              <a:t>patient</a:t>
+              <a:t>subject</a:t>
             </a:r>
           </a:p>
         </p:txBody>
@@ -19464,18 +19464,18 @@
 </file>
 
 <file path=customXml/item1.xml><?xml version="1.0" encoding="utf-8"?>
-<p:properties xmlns:p="http://schemas.microsoft.com/office/2006/metadata/properties" xmlns:xsi="http://www.w3.org/2001/XMLSchema-instance" xmlns:pc="http://schemas.microsoft.com/office/infopath/2007/PartnerControls">
-  <documentManagement/>
-</p:properties>
-</file>
-
-<file path=customXml/item2.xml><?xml version="1.0" encoding="utf-8"?>
 <?mso-contentType ?>
 <FormTemplates xmlns="http://schemas.microsoft.com/sharepoint/v3/contenttype/forms">
   <Display>DocumentLibraryForm</Display>
   <Edit>DocumentLibraryForm</Edit>
   <New>DocumentLibraryForm</New>
 </FormTemplates>
+</file>
+
+<file path=customXml/item2.xml><?xml version="1.0" encoding="utf-8"?>
+<p:properties xmlns:p="http://schemas.microsoft.com/office/2006/metadata/properties" xmlns:xsi="http://www.w3.org/2001/XMLSchema-instance" xmlns:pc="http://schemas.microsoft.com/office/infopath/2007/PartnerControls">
+  <documentManagement/>
+</p:properties>
 </file>
 
 <file path=customXml/item3.xml><?xml version="1.0" encoding="utf-8"?>
@@ -19664,6 +19664,14 @@
 </file>
 
 <file path=customXml/itemProps1.xml><?xml version="1.0" encoding="utf-8"?>
+<ds:datastoreItem xmlns:ds="http://schemas.openxmlformats.org/officeDocument/2006/customXml" ds:itemID="{7DF32799-2A9E-4894-A7BE-4A93586F7B79}">
+  <ds:schemaRefs>
+    <ds:schemaRef ds:uri="http://schemas.microsoft.com/sharepoint/v3/contenttype/forms"/>
+  </ds:schemaRefs>
+</ds:datastoreItem>
+</file>
+
+<file path=customXml/itemProps2.xml><?xml version="1.0" encoding="utf-8"?>
 <ds:datastoreItem xmlns:ds="http://schemas.openxmlformats.org/officeDocument/2006/customXml" ds:itemID="{90FDF430-C97A-4E13-9166-89CD4AE896F8}">
   <ds:schemaRefs>
     <ds:schemaRef ds:uri="http://schemas.microsoft.com/office/2006/documentManagement/types"/>
@@ -19676,14 +19684,6 @@
     <ds:schemaRef ds:uri="http://schemas.microsoft.com/office/infopath/2007/PartnerControls"/>
     <ds:schemaRef ds:uri="http://schemas.microsoft.com/office/2006/metadata/properties"/>
     <ds:schemaRef ds:uri="http://www.w3.org/XML/1998/namespace"/>
-  </ds:schemaRefs>
-</ds:datastoreItem>
-</file>
-
-<file path=customXml/itemProps2.xml><?xml version="1.0" encoding="utf-8"?>
-<ds:datastoreItem xmlns:ds="http://schemas.openxmlformats.org/officeDocument/2006/customXml" ds:itemID="{7DF32799-2A9E-4894-A7BE-4A93586F7B79}">
-  <ds:schemaRefs>
-    <ds:schemaRef ds:uri="http://schemas.microsoft.com/sharepoint/v3/contenttype/forms"/>
   </ds:schemaRefs>
 </ds:datastoreItem>
 </file>

--- a/input/images/source/DEQM Resource Diagram - VTE.pptx
+++ b/input/images/source/DEQM Resource Diagram - VTE.pptx
@@ -223,7 +223,7 @@
           <a:p>
             <a:fld id="{4E266053-7327-E248-83C1-2353FC77D2E7}" type="datetimeFigureOut">
               <a:rPr lang="en-US" smtClean="0"/>
-              <a:t>4/14/2021</a:t>
+              <a:t>4/15/2021</a:t>
             </a:fld>
             <a:endParaRPr lang="en-US"/>
           </a:p>
@@ -574,6 +574,93 @@
 </p:notes>
 </file>
 
+<file path=ppt/notesSlides/notesSlide2.xml><?xml version="1.0" encoding="utf-8"?>
+<p:notes xmlns:a="http://schemas.openxmlformats.org/drawingml/2006/main" xmlns:r="http://schemas.openxmlformats.org/officeDocument/2006/relationships" xmlns:p="http://schemas.openxmlformats.org/presentationml/2006/main">
+  <p:cSld>
+    <p:spTree>
+      <p:nvGrpSpPr>
+        <p:cNvPr id="1" name=""/>
+        <p:cNvGrpSpPr/>
+        <p:nvPr/>
+      </p:nvGrpSpPr>
+      <p:grpSpPr>
+        <a:xfrm>
+          <a:off x="0" y="0"/>
+          <a:ext cx="0" cy="0"/>
+          <a:chOff x="0" y="0"/>
+          <a:chExt cx="0" cy="0"/>
+        </a:xfrm>
+      </p:grpSpPr>
+      <p:sp>
+        <p:nvSpPr>
+          <p:cNvPr id="2" name="Slide Image Placeholder 1"/>
+          <p:cNvSpPr>
+            <a:spLocks noGrp="1" noRot="1" noChangeAspect="1"/>
+          </p:cNvSpPr>
+          <p:nvPr>
+            <p:ph type="sldImg"/>
+          </p:nvPr>
+        </p:nvSpPr>
+        <p:spPr/>
+      </p:sp>
+      <p:sp>
+        <p:nvSpPr>
+          <p:cNvPr id="3" name="Notes Placeholder 2"/>
+          <p:cNvSpPr>
+            <a:spLocks noGrp="1"/>
+          </p:cNvSpPr>
+          <p:nvPr>
+            <p:ph type="body" idx="1"/>
+          </p:nvPr>
+        </p:nvSpPr>
+        <p:spPr/>
+        <p:txBody>
+          <a:bodyPr/>
+          <a:lstStyle/>
+          <a:p>
+            <a:r>
+              <a:rPr lang="en-US" dirty="0"/>
+              <a:t>Updated ProcedureRequest to ServiceRequest to be compatible with R4</a:t>
+            </a:r>
+          </a:p>
+        </p:txBody>
+      </p:sp>
+      <p:sp>
+        <p:nvSpPr>
+          <p:cNvPr id="4" name="Slide Number Placeholder 3"/>
+          <p:cNvSpPr>
+            <a:spLocks noGrp="1"/>
+          </p:cNvSpPr>
+          <p:nvPr>
+            <p:ph type="sldNum" sz="quarter" idx="5"/>
+          </p:nvPr>
+        </p:nvSpPr>
+        <p:spPr/>
+        <p:txBody>
+          <a:bodyPr/>
+          <a:lstStyle/>
+          <a:p>
+            <a:fld id="{D97EC0DA-5C4C-5F40-867B-8852E0C29AD3}" type="slidenum">
+              <a:rPr lang="en-US" smtClean="0"/>
+              <a:t>14</a:t>
+            </a:fld>
+            <a:endParaRPr lang="en-US"/>
+          </a:p>
+        </p:txBody>
+      </p:sp>
+    </p:spTree>
+    <p:extLst>
+      <p:ext uri="{BB962C8B-B14F-4D97-AF65-F5344CB8AC3E}">
+        <p14:creationId xmlns:p14="http://schemas.microsoft.com/office/powerpoint/2010/main" val="888234319"/>
+      </p:ext>
+    </p:extLst>
+  </p:cSld>
+  <p:clrMapOvr>
+    <a:masterClrMapping/>
+  </p:clrMapOvr>
+</p:notes>
+</file>
+
 <file path=ppt/slideLayouts/slideLayout1.xml><?xml version="1.0" encoding="utf-8"?>
 <p:sldLayout xmlns:a="http://schemas.openxmlformats.org/drawingml/2006/main" xmlns:r="http://schemas.openxmlformats.org/officeDocument/2006/relationships" xmlns:p="http://schemas.openxmlformats.org/presentationml/2006/main" type="title" preserve="1">
   <p:cSld name="Title Slide">
@@ -753,7 +840,7 @@
           <a:p>
             <a:fld id="{7D2F21E0-95B6-4C5C-A55D-C5056E4C25C4}" type="datetimeFigureOut">
               <a:rPr lang="en-US" smtClean="0"/>
-              <a:t>4/14/2021</a:t>
+              <a:t>4/15/2021</a:t>
             </a:fld>
             <a:endParaRPr lang="en-US"/>
           </a:p>
@@ -921,7 +1008,7 @@
           <a:p>
             <a:fld id="{7D2F21E0-95B6-4C5C-A55D-C5056E4C25C4}" type="datetimeFigureOut">
               <a:rPr lang="en-US" smtClean="0"/>
-              <a:t>4/14/2021</a:t>
+              <a:t>4/15/2021</a:t>
             </a:fld>
             <a:endParaRPr lang="en-US"/>
           </a:p>
@@ -1099,7 +1186,7 @@
           <a:p>
             <a:fld id="{7D2F21E0-95B6-4C5C-A55D-C5056E4C25C4}" type="datetimeFigureOut">
               <a:rPr lang="en-US" smtClean="0"/>
-              <a:t>4/14/2021</a:t>
+              <a:t>4/15/2021</a:t>
             </a:fld>
             <a:endParaRPr lang="en-US"/>
           </a:p>
@@ -1267,7 +1354,7 @@
           <a:p>
             <a:fld id="{7D2F21E0-95B6-4C5C-A55D-C5056E4C25C4}" type="datetimeFigureOut">
               <a:rPr lang="en-US" smtClean="0"/>
-              <a:t>4/14/2021</a:t>
+              <a:t>4/15/2021</a:t>
             </a:fld>
             <a:endParaRPr lang="en-US"/>
           </a:p>
@@ -1512,7 +1599,7 @@
           <a:p>
             <a:fld id="{7D2F21E0-95B6-4C5C-A55D-C5056E4C25C4}" type="datetimeFigureOut">
               <a:rPr lang="en-US" smtClean="0"/>
-              <a:t>4/14/2021</a:t>
+              <a:t>4/15/2021</a:t>
             </a:fld>
             <a:endParaRPr lang="en-US"/>
           </a:p>
@@ -1797,7 +1884,7 @@
           <a:p>
             <a:fld id="{7D2F21E0-95B6-4C5C-A55D-C5056E4C25C4}" type="datetimeFigureOut">
               <a:rPr lang="en-US" smtClean="0"/>
-              <a:t>4/14/2021</a:t>
+              <a:t>4/15/2021</a:t>
             </a:fld>
             <a:endParaRPr lang="en-US"/>
           </a:p>
@@ -2216,7 +2303,7 @@
           <a:p>
             <a:fld id="{7D2F21E0-95B6-4C5C-A55D-C5056E4C25C4}" type="datetimeFigureOut">
               <a:rPr lang="en-US" smtClean="0"/>
-              <a:t>4/14/2021</a:t>
+              <a:t>4/15/2021</a:t>
             </a:fld>
             <a:endParaRPr lang="en-US"/>
           </a:p>
@@ -2333,7 +2420,7 @@
           <a:p>
             <a:fld id="{7D2F21E0-95B6-4C5C-A55D-C5056E4C25C4}" type="datetimeFigureOut">
               <a:rPr lang="en-US" smtClean="0"/>
-              <a:t>4/14/2021</a:t>
+              <a:t>4/15/2021</a:t>
             </a:fld>
             <a:endParaRPr lang="en-US"/>
           </a:p>
@@ -2428,7 +2515,7 @@
           <a:p>
             <a:fld id="{7D2F21E0-95B6-4C5C-A55D-C5056E4C25C4}" type="datetimeFigureOut">
               <a:rPr lang="en-US" smtClean="0"/>
-              <a:t>4/14/2021</a:t>
+              <a:t>4/15/2021</a:t>
             </a:fld>
             <a:endParaRPr lang="en-US"/>
           </a:p>
@@ -2703,7 +2790,7 @@
           <a:p>
             <a:fld id="{7D2F21E0-95B6-4C5C-A55D-C5056E4C25C4}" type="datetimeFigureOut">
               <a:rPr lang="en-US" smtClean="0"/>
-              <a:t>4/14/2021</a:t>
+              <a:t>4/15/2021</a:t>
             </a:fld>
             <a:endParaRPr lang="en-US"/>
           </a:p>
@@ -2955,7 +3042,7 @@
           <a:p>
             <a:fld id="{7D2F21E0-95B6-4C5C-A55D-C5056E4C25C4}" type="datetimeFigureOut">
               <a:rPr lang="en-US" smtClean="0"/>
-              <a:t>4/14/2021</a:t>
+              <a:t>4/15/2021</a:t>
             </a:fld>
             <a:endParaRPr lang="en-US"/>
           </a:p>
@@ -3166,7 +3253,7 @@
           <a:p>
             <a:fld id="{7D2F21E0-95B6-4C5C-A55D-C5056E4C25C4}" type="datetimeFigureOut">
               <a:rPr lang="en-US" smtClean="0"/>
-              <a:t>4/14/2021</a:t>
+              <a:t>4/15/2021</a:t>
             </a:fld>
             <a:endParaRPr lang="en-US"/>
           </a:p>
@@ -4791,18 +4878,13 @@
           <a:p>
             <a:pPr algn="ctr"/>
             <a:r>
-              <a:rPr lang="en-US" sz="1400" dirty="0" err="1">
+              <a:rPr lang="en-US" sz="1400" dirty="0">
                 <a:solidFill>
                   <a:schemeClr val="bg1"/>
                 </a:solidFill>
               </a:rPr>
               <a:t>CodeableConcept</a:t>
             </a:r>
-            <a:endParaRPr lang="en-US" sz="1400" dirty="0">
-              <a:solidFill>
-                <a:schemeClr val="bg1"/>
-              </a:solidFill>
-            </a:endParaRPr>
           </a:p>
         </p:txBody>
       </p:sp>
@@ -5231,7 +5313,7 @@
           <a:lstStyle/>
           <a:p>
             <a:r>
-              <a:rPr lang="en-US" sz="3200" dirty="0"/>
+              <a:rPr lang="en-US" sz="2400" dirty="0"/>
               <a:t>MeasureReport using Encounter with Principle Diagnosis</a:t>
             </a:r>
           </a:p>
@@ -6213,18 +6295,13 @@
           <a:p>
             <a:pPr algn="ctr"/>
             <a:r>
-              <a:rPr lang="en-US" sz="1400" dirty="0" err="1">
+              <a:rPr lang="en-US" sz="1400" dirty="0">
                 <a:solidFill>
                   <a:schemeClr val="bg1"/>
                 </a:solidFill>
               </a:rPr>
               <a:t>CodeableConcept</a:t>
             </a:r>
-            <a:endParaRPr lang="en-US" sz="1400" dirty="0">
-              <a:solidFill>
-                <a:schemeClr val="bg1"/>
-              </a:solidFill>
-            </a:endParaRPr>
           </a:p>
         </p:txBody>
       </p:sp>
@@ -6594,20 +6671,12 @@
           <a:p>
             <a:pPr algn="ctr"/>
             <a:r>
-              <a:rPr lang="en-US" sz="1400" dirty="0" err="1">
-                <a:solidFill>
-                  <a:schemeClr val="bg1"/>
-                </a:solidFill>
-              </a:rPr>
-              <a:t>positiveInt</a:t>
-            </a:r>
-            <a:r>
               <a:rPr lang="en-US" sz="1400" dirty="0">
                 <a:solidFill>
                   <a:schemeClr val="bg1"/>
                 </a:solidFill>
               </a:rPr>
-              <a:t> </a:t>
+              <a:t>positiveInt </a:t>
             </a:r>
           </a:p>
           <a:p>
@@ -6671,20 +6740,12 @@
           <a:p>
             <a:pPr algn="ctr"/>
             <a:r>
-              <a:rPr lang="en-US" sz="1400" dirty="0" err="1">
-                <a:solidFill>
-                  <a:schemeClr val="bg1"/>
-                </a:solidFill>
-              </a:rPr>
-              <a:t>CodeableConcept</a:t>
-            </a:r>
-            <a:r>
               <a:rPr lang="en-US" sz="1400" dirty="0">
                 <a:solidFill>
                   <a:schemeClr val="bg1"/>
                 </a:solidFill>
               </a:rPr>
-              <a:t> (“billing”)</a:t>
+              <a:t>CodeableConcept (“billing”)</a:t>
             </a:r>
           </a:p>
         </p:txBody>
@@ -7228,15 +7289,7 @@
             </a:pPr>
             <a:r>
               <a:rPr lang="en-US" sz="2800" dirty="0"/>
-              <a:t>When a patient has an inpatient encounter, during which they are provided Comfort Measures within 1 day of being admitted or 1 day of a surgical procedure for which they were admitted, these Comfort Measures satisfy the numerator logic for the measure. The surgical procedure is defined by the presence of a code from the “general or neuraxial anesthesia” value set present in the measure. The Comfort measures are represented by either a Procedure or a </a:t>
-            </a:r>
-            <a:r>
-              <a:rPr lang="en-US" sz="2800" dirty="0" err="1"/>
-              <a:t>ProcedureRequest</a:t>
-            </a:r>
-            <a:r>
-              <a:rPr lang="en-US" sz="2800" dirty="0"/>
-              <a:t> with a code from the “Comfort Measures” value set present in the measure.</a:t>
+              <a:t>When a patient has an inpatient encounter, during which they are provided Comfort Measures within 1 day of being admitted or 1 day of a surgical procedure for which they were admitted, these Comfort Measures satisfy the numerator logic for the measure. The surgical procedure is defined by the presence of a code from the “general or neuraxial anesthesia” value set present in the measure. The Comfort measures are represented by either a Procedure or a ProcedureRequest with a code from the “Comfort Measures” value set present in the measure.</a:t>
             </a:r>
           </a:p>
         </p:txBody>
@@ -7296,15 +7349,7 @@
             <a:pPr algn="l"/>
             <a:r>
               <a:rPr lang="en-US" sz="2800" dirty="0"/>
-              <a:t>MeasureReport using Procedure/</a:t>
-            </a:r>
-            <a:r>
-              <a:rPr lang="en-US" sz="2800" dirty="0" err="1"/>
-              <a:t>ProcedureRequest</a:t>
-            </a:r>
-            <a:r>
-              <a:rPr lang="en-US" sz="2800" dirty="0"/>
-              <a:t> and Encounter</a:t>
+              <a:t>MeasureReport using Procedure/ServiceRequest and Encounter</a:t>
             </a:r>
           </a:p>
         </p:txBody>
@@ -8436,18 +8481,13 @@
           <a:p>
             <a:pPr algn="ctr"/>
             <a:r>
-              <a:rPr lang="en-US" sz="1400" dirty="0" err="1">
+              <a:rPr lang="en-US" sz="1400" dirty="0">
                 <a:solidFill>
                   <a:schemeClr val="bg1"/>
                 </a:solidFill>
               </a:rPr>
               <a:t>CodeableConcept</a:t>
             </a:r>
-            <a:endParaRPr lang="en-US" sz="1400" dirty="0">
-              <a:solidFill>
-                <a:schemeClr val="bg1"/>
-              </a:solidFill>
-            </a:endParaRPr>
           </a:p>
         </p:txBody>
       </p:sp>
@@ -8837,18 +8877,13 @@
           <a:p>
             <a:pPr algn="ctr"/>
             <a:r>
-              <a:rPr lang="en-US" sz="1400" dirty="0" err="1">
+              <a:rPr lang="en-US" sz="1400" dirty="0">
                 <a:solidFill>
                   <a:schemeClr val="bg1"/>
                 </a:solidFill>
               </a:rPr>
-              <a:t>ProcedureRequest</a:t>
-            </a:r>
-            <a:endParaRPr lang="en-US" sz="1400" dirty="0">
-              <a:solidFill>
-                <a:schemeClr val="bg1"/>
-              </a:solidFill>
-            </a:endParaRPr>
+              <a:t>ServiceRequest</a:t>
+            </a:r>
           </a:p>
         </p:txBody>
       </p:sp>
@@ -9035,10 +9070,9 @@
           <a:p>
             <a:pPr algn="ctr"/>
             <a:r>
-              <a:rPr lang="en-US" sz="1100" b="1" dirty="0" err="1"/>
+              <a:rPr lang="en-US" sz="1100" b="1" dirty="0"/>
               <a:t>authoredOn</a:t>
             </a:r>
-            <a:endParaRPr lang="en-US" sz="1100" b="1" dirty="0"/>
           </a:p>
         </p:txBody>
       </p:sp>
@@ -9120,10 +9154,9 @@
           <a:p>
             <a:pPr algn="ctr"/>
             <a:r>
-              <a:rPr lang="en-US" sz="1100" b="1" dirty="0" err="1"/>
+              <a:rPr lang="en-US" sz="1100" b="1" dirty="0"/>
               <a:t>FHIR.provenance.recorded</a:t>
             </a:r>
-            <a:endParaRPr lang="en-US" sz="1100" b="1" dirty="0"/>
           </a:p>
         </p:txBody>
       </p:sp>
@@ -9310,43 +9343,22 @@
         </p:spPr>
         <p:txBody>
           <a:bodyPr>
-            <a:normAutofit fontScale="90000"/>
+            <a:normAutofit/>
           </a:bodyPr>
           <a:lstStyle/>
           <a:p>
             <a:r>
-              <a:rPr lang="en-US" sz="2800" dirty="0"/>
-              <a:t>MeasureReport using </a:t>
-            </a:r>
-            <a:r>
-              <a:rPr lang="en-US" sz="2800" dirty="0" err="1"/>
-              <a:t>MedicationRequest</a:t>
-            </a:r>
-            <a:r>
-              <a:rPr lang="en-US" sz="2800" dirty="0"/>
-              <a:t>, </a:t>
-            </a:r>
-            <a:r>
-              <a:rPr lang="en-US" sz="2800" dirty="0" err="1"/>
+              <a:rPr lang="en-US" sz="2400" dirty="0"/>
+              <a:t>MeasureReport using MedicationRequest, </a:t>
+            </a:r>
+            <a:r>
+              <a:rPr lang="en-US" sz="2400" dirty="0" err="1"/>
               <a:t>MedicationStatement</a:t>
             </a:r>
             <a:r>
-              <a:rPr lang="en-US" sz="2800" dirty="0"/>
-              <a:t>, </a:t>
-            </a:r>
-            <a:r>
-              <a:rPr lang="en-US" sz="2800" dirty="0" err="1"/>
-              <a:t>DeviceRequest</a:t>
-            </a:r>
-            <a:r>
-              <a:rPr lang="en-US" sz="2800" dirty="0"/>
-              <a:t> or </a:t>
-            </a:r>
-            <a:r>
-              <a:rPr lang="en-US" sz="2800" dirty="0" err="1"/>
-              <a:t>DeviceUseStatement</a:t>
-            </a:r>
-            <a:endParaRPr lang="en-US" sz="2800" dirty="0"/>
+              <a:rPr lang="en-US" sz="2400" dirty="0"/>
+              <a:t>, DeviceRequest or DeviceUseStatement</a:t>
+            </a:r>
           </a:p>
         </p:txBody>
       </p:sp>
@@ -9845,7 +9857,7 @@
         <p:spPr>
           <a:xfrm>
             <a:off x="190500" y="6441697"/>
-            <a:ext cx="8877300" cy="369332"/>
+            <a:ext cx="8877300" cy="307777"/>
           </a:xfrm>
           <a:prstGeom prst="rect">
             <a:avLst/>
@@ -9859,7 +9871,7 @@
           <a:lstStyle/>
           <a:p>
             <a:r>
-              <a:rPr lang="en-US" dirty="0"/>
+              <a:rPr lang="en-US" sz="1400" dirty="0"/>
               <a:t>Used for “VTE Prophylaxis not done: medical reason/patient refusal”</a:t>
             </a:r>
           </a:p>
@@ -10506,18 +10518,13 @@
           <a:p>
             <a:pPr algn="ctr"/>
             <a:r>
-              <a:rPr lang="en-US" sz="1400" dirty="0" err="1">
+              <a:rPr lang="en-US" sz="1400" dirty="0">
                 <a:solidFill>
                   <a:schemeClr val="bg1"/>
                 </a:solidFill>
               </a:rPr>
               <a:t>CodeableConcept</a:t>
             </a:r>
-            <a:endParaRPr lang="en-US" sz="1400" dirty="0">
-              <a:solidFill>
-                <a:schemeClr val="bg1"/>
-              </a:solidFill>
-            </a:endParaRPr>
           </a:p>
         </p:txBody>
       </p:sp>
@@ -10918,18 +10925,13 @@
           <a:p>
             <a:pPr algn="ctr"/>
             <a:r>
-              <a:rPr lang="en-US" sz="1400" dirty="0" err="1">
+              <a:rPr lang="en-US" sz="1400" dirty="0">
                 <a:solidFill>
                   <a:schemeClr val="bg1"/>
                 </a:solidFill>
               </a:rPr>
               <a:t>MedicationRequest</a:t>
             </a:r>
-            <a:endParaRPr lang="en-US" sz="1400" dirty="0">
-              <a:solidFill>
-                <a:schemeClr val="bg1"/>
-              </a:solidFill>
-            </a:endParaRPr>
           </a:p>
         </p:txBody>
       </p:sp>
@@ -11116,10 +11118,9 @@
           <a:p>
             <a:pPr algn="ctr"/>
             <a:r>
-              <a:rPr lang="en-US" sz="1100" b="1" dirty="0" err="1"/>
+              <a:rPr lang="en-US" sz="1100" b="1" dirty="0"/>
               <a:t>authoredOn</a:t>
             </a:r>
-            <a:endParaRPr lang="en-US" sz="1100" b="1" dirty="0"/>
           </a:p>
         </p:txBody>
       </p:sp>
@@ -11202,10 +11203,9 @@
           <a:p>
             <a:pPr algn="ctr"/>
             <a:r>
-              <a:rPr lang="en-US" sz="1100" b="1" dirty="0" err="1"/>
+              <a:rPr lang="en-US" sz="1100" b="1" dirty="0"/>
               <a:t>FHIR.provenance.recorded</a:t>
             </a:r>
-            <a:endParaRPr lang="en-US" sz="1100" b="1" dirty="0"/>
           </a:p>
         </p:txBody>
       </p:sp>
@@ -11257,18 +11257,13 @@
           <a:p>
             <a:pPr algn="ctr"/>
             <a:r>
-              <a:rPr lang="en-US" sz="1400" dirty="0" err="1">
+              <a:rPr lang="en-US" sz="1400" dirty="0">
                 <a:solidFill>
                   <a:schemeClr val="bg1"/>
                 </a:solidFill>
               </a:rPr>
               <a:t>DeviceRequest</a:t>
             </a:r>
-            <a:endParaRPr lang="en-US" sz="1400" dirty="0">
-              <a:solidFill>
-                <a:schemeClr val="bg1"/>
-              </a:solidFill>
-            </a:endParaRPr>
           </a:p>
         </p:txBody>
       </p:sp>
@@ -11320,18 +11315,13 @@
           <a:p>
             <a:pPr algn="ctr"/>
             <a:r>
-              <a:rPr lang="en-US" sz="1400" dirty="0" err="1">
+              <a:rPr lang="en-US" sz="1400" dirty="0">
                 <a:solidFill>
                   <a:schemeClr val="bg1"/>
                 </a:solidFill>
               </a:rPr>
               <a:t>DeviceUseStatement</a:t>
             </a:r>
-            <a:endParaRPr lang="en-US" sz="1400" dirty="0">
-              <a:solidFill>
-                <a:schemeClr val="bg1"/>
-              </a:solidFill>
-            </a:endParaRPr>
           </a:p>
         </p:txBody>
       </p:sp>
@@ -11491,21 +11481,16 @@
           <a:p>
             <a:pPr algn="ctr"/>
             <a:r>
-              <a:rPr lang="en-US" sz="1100" b="1" dirty="0" err="1"/>
-              <a:t>authoredOn</a:t>
-            </a:r>
-            <a:r>
               <a:rPr lang="en-US" sz="1100" b="1" dirty="0"/>
-              <a:t>/</a:t>
+              <a:t>authoredOn/</a:t>
             </a:r>
           </a:p>
           <a:p>
             <a:pPr algn="ctr"/>
             <a:r>
-              <a:rPr lang="en-US" sz="1100" b="1" dirty="0" err="1"/>
+              <a:rPr lang="en-US" sz="1100" b="1" dirty="0"/>
               <a:t>recordedOn</a:t>
             </a:r>
-            <a:endParaRPr lang="en-US" sz="1100" b="1" dirty="0"/>
           </a:p>
         </p:txBody>
       </p:sp>
@@ -13084,18 +13069,13 @@
           <a:p>
             <a:pPr algn="ctr"/>
             <a:r>
-              <a:rPr lang="en-US" sz="1400" dirty="0" err="1">
+              <a:rPr lang="en-US" sz="1400" dirty="0">
                 <a:solidFill>
                   <a:schemeClr val="bg1"/>
                 </a:solidFill>
               </a:rPr>
               <a:t>CodeableConcept</a:t>
             </a:r>
-            <a:endParaRPr lang="en-US" sz="1400" dirty="0">
-              <a:solidFill>
-                <a:schemeClr val="bg1"/>
-              </a:solidFill>
-            </a:endParaRPr>
           </a:p>
         </p:txBody>
       </p:sp>
@@ -13373,18 +13353,13 @@
           <a:p>
             <a:pPr algn="ctr"/>
             <a:r>
-              <a:rPr lang="en-US" sz="1400" dirty="0" err="1">
+              <a:rPr lang="en-US" sz="1400" dirty="0">
                 <a:solidFill>
                   <a:schemeClr val="bg1"/>
                 </a:solidFill>
               </a:rPr>
               <a:t>effectiveTime</a:t>
             </a:r>
-            <a:endParaRPr lang="en-US" sz="1400" dirty="0">
-              <a:solidFill>
-                <a:schemeClr val="bg1"/>
-              </a:solidFill>
-            </a:endParaRPr>
           </a:p>
         </p:txBody>
       </p:sp>
@@ -13436,18 +13411,13 @@
           <a:p>
             <a:pPr algn="ctr"/>
             <a:r>
-              <a:rPr lang="en-US" sz="1400" dirty="0" err="1">
+              <a:rPr lang="en-US" sz="1400" dirty="0">
                 <a:solidFill>
                   <a:schemeClr val="bg1"/>
                 </a:solidFill>
               </a:rPr>
               <a:t>effectivePeriod</a:t>
             </a:r>
-            <a:endParaRPr lang="en-US" sz="1400" dirty="0">
-              <a:solidFill>
-                <a:schemeClr val="bg1"/>
-              </a:solidFill>
-            </a:endParaRPr>
           </a:p>
         </p:txBody>
       </p:sp>
@@ -13765,18 +13735,13 @@
           <a:p>
             <a:pPr algn="ctr"/>
             <a:r>
-              <a:rPr lang="en-US" sz="1400" dirty="0" err="1">
+              <a:rPr lang="en-US" sz="1400" dirty="0">
                 <a:solidFill>
                   <a:schemeClr val="bg1"/>
                 </a:solidFill>
               </a:rPr>
               <a:t>CodeableConcept</a:t>
             </a:r>
-            <a:endParaRPr lang="en-US" sz="1400" dirty="0">
-              <a:solidFill>
-                <a:schemeClr val="bg1"/>
-              </a:solidFill>
-            </a:endParaRPr>
           </a:p>
         </p:txBody>
       </p:sp>
@@ -13913,18 +13878,13 @@
           <a:p>
             <a:pPr algn="ctr"/>
             <a:r>
-              <a:rPr lang="en-US" sz="1400" dirty="0" err="1">
+              <a:rPr lang="en-US" sz="1400" dirty="0">
                 <a:solidFill>
                   <a:schemeClr val="bg1"/>
                 </a:solidFill>
               </a:rPr>
               <a:t>CodeableConcept</a:t>
             </a:r>
-            <a:endParaRPr lang="en-US" sz="1400" dirty="0">
-              <a:solidFill>
-                <a:schemeClr val="bg1"/>
-              </a:solidFill>
-            </a:endParaRPr>
           </a:p>
         </p:txBody>
       </p:sp>
@@ -14007,10 +13967,9 @@
           <a:p>
             <a:pPr algn="ctr"/>
             <a:r>
-              <a:rPr lang="en-US" sz="1100" b="1" dirty="0" err="1"/>
+              <a:rPr lang="en-US" sz="1100" b="1" dirty="0"/>
               <a:t>dosage.route</a:t>
             </a:r>
-            <a:endParaRPr lang="en-US" sz="1100" b="1" dirty="0"/>
           </a:p>
         </p:txBody>
       </p:sp>
@@ -14561,15 +14520,7 @@
             </a:br>
             <a:r>
               <a:rPr lang="en-US" sz="2800" dirty="0"/>
-              <a:t>Measure Report Using </a:t>
-            </a:r>
-            <a:r>
-              <a:rPr lang="en-US" sz="2800" dirty="0" err="1"/>
-              <a:t>DeviceUseStatement</a:t>
-            </a:r>
-            <a:r>
-              <a:rPr lang="en-US" sz="2800" dirty="0"/>
-              <a:t>/Encounter</a:t>
+              <a:t>Measure Report Using DeviceUseStatement/Encounter</a:t>
             </a:r>
           </a:p>
         </p:txBody>
@@ -14708,16 +14659,8 @@
           <a:lstStyle/>
           <a:p>
             <a:r>
-              <a:rPr lang="en-US" sz="2800" dirty="0"/>
-              <a:t>MeasureReport using </a:t>
-            </a:r>
-            <a:r>
-              <a:rPr lang="en-US" sz="2800" dirty="0" err="1"/>
-              <a:t>DeviceUseStatement</a:t>
-            </a:r>
-            <a:r>
-              <a:rPr lang="en-US" sz="2800" dirty="0"/>
-              <a:t> and Encounter</a:t>
+              <a:rPr lang="en-US" sz="2400" dirty="0"/>
+              <a:t>MeasureReport using DeviceUseStatement and Encounter</a:t>
             </a:r>
           </a:p>
         </p:txBody>
@@ -14846,10 +14789,9 @@
           <a:p>
             <a:pPr algn="ctr"/>
             <a:r>
-              <a:rPr lang="en-US" sz="1600" dirty="0" err="1"/>
+              <a:rPr lang="en-US" sz="1600" dirty="0"/>
               <a:t>DeviceUseStatement</a:t>
             </a:r>
-            <a:endParaRPr lang="en-US" sz="1600" dirty="0"/>
           </a:p>
         </p:txBody>
       </p:sp>
@@ -16590,18 +16532,13 @@
             <a:p>
               <a:pPr algn="ctr"/>
               <a:r>
-                <a:rPr lang="en-US" sz="1400" dirty="0" err="1">
+                <a:rPr lang="en-US" sz="1400" dirty="0">
                   <a:solidFill>
                     <a:schemeClr val="bg1"/>
                   </a:solidFill>
                 </a:rPr>
                 <a:t>CodeableConcept</a:t>
               </a:r>
-              <a:endParaRPr lang="en-US" sz="1400" dirty="0">
-                <a:solidFill>
-                  <a:schemeClr val="bg1"/>
-                </a:solidFill>
-              </a:endParaRPr>
             </a:p>
           </p:txBody>
         </p:sp>
@@ -16777,18 +16714,13 @@
           <a:p>
             <a:pPr algn="ctr"/>
             <a:r>
-              <a:rPr lang="en-US" sz="1400" dirty="0" err="1">
+              <a:rPr lang="en-US" sz="1400" dirty="0">
                 <a:solidFill>
                   <a:schemeClr val="bg1"/>
                 </a:solidFill>
               </a:rPr>
               <a:t>BackboneElement</a:t>
             </a:r>
-            <a:endParaRPr lang="en-US" sz="1400" dirty="0">
-              <a:solidFill>
-                <a:schemeClr val="bg1"/>
-              </a:solidFill>
-            </a:endParaRPr>
           </a:p>
         </p:txBody>
       </p:sp>
@@ -17014,10 +16946,9 @@
           <a:p>
             <a:pPr algn="ctr"/>
             <a:r>
-              <a:rPr lang="en-US" sz="1100" b="1" dirty="0" err="1"/>
+              <a:rPr lang="en-US" sz="1100" b="1" dirty="0"/>
               <a:t>deviceIdentifier</a:t>
             </a:r>
-            <a:endParaRPr lang="en-US" sz="1100" b="1" dirty="0"/>
           </a:p>
         </p:txBody>
       </p:sp>
@@ -18369,7 +18300,7 @@
         </p:nvSpPr>
         <p:spPr>
           <a:xfrm>
-            <a:off x="6308387" y="1394856"/>
+            <a:off x="6248400" y="1402588"/>
             <a:ext cx="2819400" cy="646331"/>
           </a:xfrm>
           <a:prstGeom prst="rect">
@@ -18522,18 +18453,13 @@
           <a:p>
             <a:pPr algn="ctr"/>
             <a:r>
-              <a:rPr lang="en-US" sz="1400" dirty="0" err="1">
+              <a:rPr lang="en-US" sz="1400" dirty="0">
                 <a:solidFill>
                   <a:schemeClr val="bg1"/>
                 </a:solidFill>
               </a:rPr>
               <a:t>CodeableConcept</a:t>
             </a:r>
-            <a:endParaRPr lang="en-US" sz="1400" dirty="0">
-              <a:solidFill>
-                <a:schemeClr val="bg1"/>
-              </a:solidFill>
-            </a:endParaRPr>
           </a:p>
         </p:txBody>
       </p:sp>
@@ -19464,21 +19390,6 @@
 </file>
 
 <file path=customXml/item1.xml><?xml version="1.0" encoding="utf-8"?>
-<?mso-contentType ?>
-<FormTemplates xmlns="http://schemas.microsoft.com/sharepoint/v3/contenttype/forms">
-  <Display>DocumentLibraryForm</Display>
-  <Edit>DocumentLibraryForm</Edit>
-  <New>DocumentLibraryForm</New>
-</FormTemplates>
-</file>
-
-<file path=customXml/item2.xml><?xml version="1.0" encoding="utf-8"?>
-<p:properties xmlns:p="http://schemas.microsoft.com/office/2006/metadata/properties" xmlns:xsi="http://www.w3.org/2001/XMLSchema-instance" xmlns:pc="http://schemas.microsoft.com/office/infopath/2007/PartnerControls">
-  <documentManagement/>
-</p:properties>
-</file>
-
-<file path=customXml/item3.xml><?xml version="1.0" encoding="utf-8"?>
 <ct:contentTypeSchema xmlns:ct="http://schemas.microsoft.com/office/2006/metadata/contentType" xmlns:ma="http://schemas.microsoft.com/office/2006/metadata/properties/metaAttributes" ct:_="" ma:_="" ma:contentTypeName="Document" ma:contentTypeID="0x010100E266619F3A8DA84E844CC332E58F8D49" ma:contentTypeVersion="7" ma:contentTypeDescription="Create a new document." ma:contentTypeScope="" ma:versionID="5d8a838ea32704de551bbf800a2359a5">
   <xsd:schema xmlns:xsd="http://www.w3.org/2001/XMLSchema" xmlns:xs="http://www.w3.org/2001/XMLSchema" xmlns:p="http://schemas.microsoft.com/office/2006/metadata/properties" xmlns:ns2="86583c5b-2812-43c9-9d95-43036731b97a" xmlns:ns3="a55e4437-922f-4c3b-a618-0f40b608b01d" targetNamespace="http://schemas.microsoft.com/office/2006/metadata/properties" ma:root="true" ma:fieldsID="403b19a14513e6057a21c0d89da04aa3" ns2:_="" ns3:_="">
     <xsd:import namespace="86583c5b-2812-43c9-9d95-43036731b97a"/>
@@ -19663,10 +19574,36 @@
 </ct:contentTypeSchema>
 </file>
 
+<file path=customXml/item2.xml><?xml version="1.0" encoding="utf-8"?>
+<p:properties xmlns:p="http://schemas.microsoft.com/office/2006/metadata/properties" xmlns:xsi="http://www.w3.org/2001/XMLSchema-instance" xmlns:pc="http://schemas.microsoft.com/office/infopath/2007/PartnerControls">
+  <documentManagement/>
+</p:properties>
+</file>
+
+<file path=customXml/item3.xml><?xml version="1.0" encoding="utf-8"?>
+<?mso-contentType ?>
+<FormTemplates xmlns="http://schemas.microsoft.com/sharepoint/v3/contenttype/forms">
+  <Display>DocumentLibraryForm</Display>
+  <Edit>DocumentLibraryForm</Edit>
+  <New>DocumentLibraryForm</New>
+</FormTemplates>
+</file>
+
 <file path=customXml/itemProps1.xml><?xml version="1.0" encoding="utf-8"?>
-<ds:datastoreItem xmlns:ds="http://schemas.openxmlformats.org/officeDocument/2006/customXml" ds:itemID="{7DF32799-2A9E-4894-A7BE-4A93586F7B79}">
+<ds:datastoreItem xmlns:ds="http://schemas.openxmlformats.org/officeDocument/2006/customXml" ds:itemID="{57D1FF20-1285-4672-9577-89C47B976660}">
   <ds:schemaRefs>
-    <ds:schemaRef ds:uri="http://schemas.microsoft.com/sharepoint/v3/contenttype/forms"/>
+    <ds:schemaRef ds:uri="http://schemas.microsoft.com/office/2006/metadata/contentType"/>
+    <ds:schemaRef ds:uri="http://schemas.microsoft.com/office/2006/metadata/properties/metaAttributes"/>
+    <ds:schemaRef ds:uri="http://www.w3.org/2001/XMLSchema"/>
+    <ds:schemaRef ds:uri="http://schemas.microsoft.com/office/2006/metadata/properties"/>
+    <ds:schemaRef ds:uri="86583c5b-2812-43c9-9d95-43036731b97a"/>
+    <ds:schemaRef ds:uri="a55e4437-922f-4c3b-a618-0f40b608b01d"/>
+    <ds:schemaRef ds:uri="http://schemas.microsoft.com/office/2006/documentManagement/types"/>
+    <ds:schemaRef ds:uri="http://schemas.microsoft.com/office/infopath/2007/PartnerControls"/>
+    <ds:schemaRef ds:uri="http://schemas.openxmlformats.org/package/2006/metadata/core-properties"/>
+    <ds:schemaRef ds:uri="http://purl.org/dc/elements/1.1/"/>
+    <ds:schemaRef ds:uri="http://purl.org/dc/terms/"/>
+    <ds:schemaRef ds:uri="http://schemas.microsoft.com/internal/obd"/>
   </ds:schemaRefs>
 </ds:datastoreItem>
 </file>
@@ -19689,20 +19626,9 @@
 </file>
 
 <file path=customXml/itemProps3.xml><?xml version="1.0" encoding="utf-8"?>
-<ds:datastoreItem xmlns:ds="http://schemas.openxmlformats.org/officeDocument/2006/customXml" ds:itemID="{57D1FF20-1285-4672-9577-89C47B976660}">
+<ds:datastoreItem xmlns:ds="http://schemas.openxmlformats.org/officeDocument/2006/customXml" ds:itemID="{7DF32799-2A9E-4894-A7BE-4A93586F7B79}">
   <ds:schemaRefs>
-    <ds:schemaRef ds:uri="http://schemas.microsoft.com/office/2006/metadata/contentType"/>
-    <ds:schemaRef ds:uri="http://schemas.microsoft.com/office/2006/metadata/properties/metaAttributes"/>
-    <ds:schemaRef ds:uri="http://www.w3.org/2001/XMLSchema"/>
-    <ds:schemaRef ds:uri="http://schemas.microsoft.com/office/2006/metadata/properties"/>
-    <ds:schemaRef ds:uri="86583c5b-2812-43c9-9d95-43036731b97a"/>
-    <ds:schemaRef ds:uri="a55e4437-922f-4c3b-a618-0f40b608b01d"/>
-    <ds:schemaRef ds:uri="http://schemas.microsoft.com/office/2006/documentManagement/types"/>
-    <ds:schemaRef ds:uri="http://schemas.microsoft.com/office/infopath/2007/PartnerControls"/>
-    <ds:schemaRef ds:uri="http://schemas.openxmlformats.org/package/2006/metadata/core-properties"/>
-    <ds:schemaRef ds:uri="http://purl.org/dc/elements/1.1/"/>
-    <ds:schemaRef ds:uri="http://purl.org/dc/terms/"/>
-    <ds:schemaRef ds:uri="http://schemas.microsoft.com/internal/obd"/>
+    <ds:schemaRef ds:uri="http://schemas.microsoft.com/sharepoint/v3/contenttype/forms"/>
   </ds:schemaRefs>
 </ds:datastoreItem>
 </file>
--- a/input/images/source/DEQM Resource Diagram - VTE.pptx
+++ b/input/images/source/DEQM Resource Diagram - VTE.pptx
@@ -223,7 +223,7 @@
           <a:p>
             <a:fld id="{4E266053-7327-E248-83C1-2353FC77D2E7}" type="datetimeFigureOut">
               <a:rPr lang="en-US" smtClean="0"/>
-              <a:t>4/15/2021</a:t>
+              <a:t>4/16/2021</a:t>
             </a:fld>
             <a:endParaRPr lang="en-US"/>
           </a:p>
@@ -840,7 +840,7 @@
           <a:p>
             <a:fld id="{7D2F21E0-95B6-4C5C-A55D-C5056E4C25C4}" type="datetimeFigureOut">
               <a:rPr lang="en-US" smtClean="0"/>
-              <a:t>4/15/2021</a:t>
+              <a:t>4/16/2021</a:t>
             </a:fld>
             <a:endParaRPr lang="en-US"/>
           </a:p>
@@ -1008,7 +1008,7 @@
           <a:p>
             <a:fld id="{7D2F21E0-95B6-4C5C-A55D-C5056E4C25C4}" type="datetimeFigureOut">
               <a:rPr lang="en-US" smtClean="0"/>
-              <a:t>4/15/2021</a:t>
+              <a:t>4/16/2021</a:t>
             </a:fld>
             <a:endParaRPr lang="en-US"/>
           </a:p>
@@ -1186,7 +1186,7 @@
           <a:p>
             <a:fld id="{7D2F21E0-95B6-4C5C-A55D-C5056E4C25C4}" type="datetimeFigureOut">
               <a:rPr lang="en-US" smtClean="0"/>
-              <a:t>4/15/2021</a:t>
+              <a:t>4/16/2021</a:t>
             </a:fld>
             <a:endParaRPr lang="en-US"/>
           </a:p>
@@ -1354,7 +1354,7 @@
           <a:p>
             <a:fld id="{7D2F21E0-95B6-4C5C-A55D-C5056E4C25C4}" type="datetimeFigureOut">
               <a:rPr lang="en-US" smtClean="0"/>
-              <a:t>4/15/2021</a:t>
+              <a:t>4/16/2021</a:t>
             </a:fld>
             <a:endParaRPr lang="en-US"/>
           </a:p>
@@ -1599,7 +1599,7 @@
           <a:p>
             <a:fld id="{7D2F21E0-95B6-4C5C-A55D-C5056E4C25C4}" type="datetimeFigureOut">
               <a:rPr lang="en-US" smtClean="0"/>
-              <a:t>4/15/2021</a:t>
+              <a:t>4/16/2021</a:t>
             </a:fld>
             <a:endParaRPr lang="en-US"/>
           </a:p>
@@ -1884,7 +1884,7 @@
           <a:p>
             <a:fld id="{7D2F21E0-95B6-4C5C-A55D-C5056E4C25C4}" type="datetimeFigureOut">
               <a:rPr lang="en-US" smtClean="0"/>
-              <a:t>4/15/2021</a:t>
+              <a:t>4/16/2021</a:t>
             </a:fld>
             <a:endParaRPr lang="en-US"/>
           </a:p>
@@ -2303,7 +2303,7 @@
           <a:p>
             <a:fld id="{7D2F21E0-95B6-4C5C-A55D-C5056E4C25C4}" type="datetimeFigureOut">
               <a:rPr lang="en-US" smtClean="0"/>
-              <a:t>4/15/2021</a:t>
+              <a:t>4/16/2021</a:t>
             </a:fld>
             <a:endParaRPr lang="en-US"/>
           </a:p>
@@ -2420,7 +2420,7 @@
           <a:p>
             <a:fld id="{7D2F21E0-95B6-4C5C-A55D-C5056E4C25C4}" type="datetimeFigureOut">
               <a:rPr lang="en-US" smtClean="0"/>
-              <a:t>4/15/2021</a:t>
+              <a:t>4/16/2021</a:t>
             </a:fld>
             <a:endParaRPr lang="en-US"/>
           </a:p>
@@ -2515,7 +2515,7 @@
           <a:p>
             <a:fld id="{7D2F21E0-95B6-4C5C-A55D-C5056E4C25C4}" type="datetimeFigureOut">
               <a:rPr lang="en-US" smtClean="0"/>
-              <a:t>4/15/2021</a:t>
+              <a:t>4/16/2021</a:t>
             </a:fld>
             <a:endParaRPr lang="en-US"/>
           </a:p>
@@ -2790,7 +2790,7 @@
           <a:p>
             <a:fld id="{7D2F21E0-95B6-4C5C-A55D-C5056E4C25C4}" type="datetimeFigureOut">
               <a:rPr lang="en-US" smtClean="0"/>
-              <a:t>4/15/2021</a:t>
+              <a:t>4/16/2021</a:t>
             </a:fld>
             <a:endParaRPr lang="en-US"/>
           </a:p>
@@ -3042,7 +3042,7 @@
           <a:p>
             <a:fld id="{7D2F21E0-95B6-4C5C-A55D-C5056E4C25C4}" type="datetimeFigureOut">
               <a:rPr lang="en-US" smtClean="0"/>
-              <a:t>4/15/2021</a:t>
+              <a:t>4/16/2021</a:t>
             </a:fld>
             <a:endParaRPr lang="en-US"/>
           </a:p>
@@ -3253,7 +3253,7 @@
           <a:p>
             <a:fld id="{7D2F21E0-95B6-4C5C-A55D-C5056E4C25C4}" type="datetimeFigureOut">
               <a:rPr lang="en-US" smtClean="0"/>
-              <a:t>4/15/2021</a:t>
+              <a:t>4/16/2021</a:t>
             </a:fld>
             <a:endParaRPr lang="en-US"/>
           </a:p>
@@ -5314,7 +5314,7 @@
           <a:p>
             <a:r>
               <a:rPr lang="en-US" sz="2400" dirty="0"/>
-              <a:t>MeasureReport using Encounter with Principle Diagnosis</a:t>
+              <a:t>MeasureReport using Encounter with Principal Diagnosis</a:t>
             </a:r>
           </a:p>
         </p:txBody>
@@ -16130,10 +16130,9 @@
           <a:p>
             <a:pPr algn="ctr"/>
             <a:r>
-              <a:rPr lang="en-US" sz="1100" b="1" dirty="0" err="1"/>
+              <a:rPr lang="en-US" sz="1100" b="1" dirty="0"/>
               <a:t>whenUsed</a:t>
             </a:r>
-            <a:endParaRPr lang="en-US" sz="1100" b="1" dirty="0"/>
           </a:p>
         </p:txBody>
       </p:sp>
@@ -16860,10 +16859,9 @@
           <a:p>
             <a:pPr algn="ctr"/>
             <a:r>
-              <a:rPr lang="en-US" sz="1100" b="1" dirty="0" err="1"/>
+              <a:rPr lang="en-US" sz="1100" b="1" dirty="0"/>
               <a:t>udi</a:t>
             </a:r>
-            <a:endParaRPr lang="en-US" sz="1100" b="1" dirty="0"/>
           </a:p>
         </p:txBody>
       </p:sp>
@@ -19390,6 +19388,21 @@
 </file>
 
 <file path=customXml/item1.xml><?xml version="1.0" encoding="utf-8"?>
+<p:properties xmlns:p="http://schemas.microsoft.com/office/2006/metadata/properties" xmlns:xsi="http://www.w3.org/2001/XMLSchema-instance" xmlns:pc="http://schemas.microsoft.com/office/infopath/2007/PartnerControls">
+  <documentManagement/>
+</p:properties>
+</file>
+
+<file path=customXml/item2.xml><?xml version="1.0" encoding="utf-8"?>
+<?mso-contentType ?>
+<FormTemplates xmlns="http://schemas.microsoft.com/sharepoint/v3/contenttype/forms">
+  <Display>DocumentLibraryForm</Display>
+  <Edit>DocumentLibraryForm</Edit>
+  <New>DocumentLibraryForm</New>
+</FormTemplates>
+</file>
+
+<file path=customXml/item3.xml><?xml version="1.0" encoding="utf-8"?>
 <ct:contentTypeSchema xmlns:ct="http://schemas.microsoft.com/office/2006/metadata/contentType" xmlns:ma="http://schemas.microsoft.com/office/2006/metadata/properties/metaAttributes" ct:_="" ma:_="" ma:contentTypeName="Document" ma:contentTypeID="0x010100E266619F3A8DA84E844CC332E58F8D49" ma:contentTypeVersion="7" ma:contentTypeDescription="Create a new document." ma:contentTypeScope="" ma:versionID="5d8a838ea32704de551bbf800a2359a5">
   <xsd:schema xmlns:xsd="http://www.w3.org/2001/XMLSchema" xmlns:xs="http://www.w3.org/2001/XMLSchema" xmlns:p="http://schemas.microsoft.com/office/2006/metadata/properties" xmlns:ns2="86583c5b-2812-43c9-9d95-43036731b97a" xmlns:ns3="a55e4437-922f-4c3b-a618-0f40b608b01d" targetNamespace="http://schemas.microsoft.com/office/2006/metadata/properties" ma:root="true" ma:fieldsID="403b19a14513e6057a21c0d89da04aa3" ns2:_="" ns3:_="">
     <xsd:import namespace="86583c5b-2812-43c9-9d95-43036731b97a"/>
@@ -19574,22 +19587,32 @@
 </ct:contentTypeSchema>
 </file>
 
-<file path=customXml/item2.xml><?xml version="1.0" encoding="utf-8"?>
-<p:properties xmlns:p="http://schemas.microsoft.com/office/2006/metadata/properties" xmlns:xsi="http://www.w3.org/2001/XMLSchema-instance" xmlns:pc="http://schemas.microsoft.com/office/infopath/2007/PartnerControls">
-  <documentManagement/>
-</p:properties>
+<file path=customXml/itemProps1.xml><?xml version="1.0" encoding="utf-8"?>
+<ds:datastoreItem xmlns:ds="http://schemas.openxmlformats.org/officeDocument/2006/customXml" ds:itemID="{90FDF430-C97A-4E13-9166-89CD4AE896F8}">
+  <ds:schemaRefs>
+    <ds:schemaRef ds:uri="http://schemas.microsoft.com/office/2006/documentManagement/types"/>
+    <ds:schemaRef ds:uri="http://purl.org/dc/elements/1.1/"/>
+    <ds:schemaRef ds:uri="http://schemas.openxmlformats.org/package/2006/metadata/core-properties"/>
+    <ds:schemaRef ds:uri="http://purl.org/dc/terms/"/>
+    <ds:schemaRef ds:uri="http://purl.org/dc/dcmitype/"/>
+    <ds:schemaRef ds:uri="86583c5b-2812-43c9-9d95-43036731b97a"/>
+    <ds:schemaRef ds:uri="a55e4437-922f-4c3b-a618-0f40b608b01d"/>
+    <ds:schemaRef ds:uri="http://schemas.microsoft.com/office/infopath/2007/PartnerControls"/>
+    <ds:schemaRef ds:uri="http://schemas.microsoft.com/office/2006/metadata/properties"/>
+    <ds:schemaRef ds:uri="http://www.w3.org/XML/1998/namespace"/>
+  </ds:schemaRefs>
+</ds:datastoreItem>
 </file>
 
-<file path=customXml/item3.xml><?xml version="1.0" encoding="utf-8"?>
-<?mso-contentType ?>
-<FormTemplates xmlns="http://schemas.microsoft.com/sharepoint/v3/contenttype/forms">
-  <Display>DocumentLibraryForm</Display>
-  <Edit>DocumentLibraryForm</Edit>
-  <New>DocumentLibraryForm</New>
-</FormTemplates>
+<file path=customXml/itemProps2.xml><?xml version="1.0" encoding="utf-8"?>
+<ds:datastoreItem xmlns:ds="http://schemas.openxmlformats.org/officeDocument/2006/customXml" ds:itemID="{7DF32799-2A9E-4894-A7BE-4A93586F7B79}">
+  <ds:schemaRefs>
+    <ds:schemaRef ds:uri="http://schemas.microsoft.com/sharepoint/v3/contenttype/forms"/>
+  </ds:schemaRefs>
+</ds:datastoreItem>
 </file>
 
-<file path=customXml/itemProps1.xml><?xml version="1.0" encoding="utf-8"?>
+<file path=customXml/itemProps3.xml><?xml version="1.0" encoding="utf-8"?>
 <ds:datastoreItem xmlns:ds="http://schemas.openxmlformats.org/officeDocument/2006/customXml" ds:itemID="{57D1FF20-1285-4672-9577-89C47B976660}">
   <ds:schemaRefs>
     <ds:schemaRef ds:uri="http://schemas.microsoft.com/office/2006/metadata/contentType"/>
@@ -19606,29 +19629,4 @@
     <ds:schemaRef ds:uri="http://schemas.microsoft.com/internal/obd"/>
   </ds:schemaRefs>
 </ds:datastoreItem>
-</file>
-
-<file path=customXml/itemProps2.xml><?xml version="1.0" encoding="utf-8"?>
-<ds:datastoreItem xmlns:ds="http://schemas.openxmlformats.org/officeDocument/2006/customXml" ds:itemID="{90FDF430-C97A-4E13-9166-89CD4AE896F8}">
-  <ds:schemaRefs>
-    <ds:schemaRef ds:uri="http://schemas.microsoft.com/office/2006/documentManagement/types"/>
-    <ds:schemaRef ds:uri="http://purl.org/dc/elements/1.1/"/>
-    <ds:schemaRef ds:uri="http://schemas.openxmlformats.org/package/2006/metadata/core-properties"/>
-    <ds:schemaRef ds:uri="http://purl.org/dc/terms/"/>
-    <ds:schemaRef ds:uri="http://purl.org/dc/dcmitype/"/>
-    <ds:schemaRef ds:uri="86583c5b-2812-43c9-9d95-43036731b97a"/>
-    <ds:schemaRef ds:uri="a55e4437-922f-4c3b-a618-0f40b608b01d"/>
-    <ds:schemaRef ds:uri="http://schemas.microsoft.com/office/infopath/2007/PartnerControls"/>
-    <ds:schemaRef ds:uri="http://schemas.microsoft.com/office/2006/metadata/properties"/>
-    <ds:schemaRef ds:uri="http://www.w3.org/XML/1998/namespace"/>
-  </ds:schemaRefs>
-</ds:datastoreItem>
-</file>
-
-<file path=customXml/itemProps3.xml><?xml version="1.0" encoding="utf-8"?>
-<ds:datastoreItem xmlns:ds="http://schemas.openxmlformats.org/officeDocument/2006/customXml" ds:itemID="{7DF32799-2A9E-4894-A7BE-4A93586F7B79}">
-  <ds:schemaRefs>
-    <ds:schemaRef ds:uri="http://schemas.microsoft.com/sharepoint/v3/contenttype/forms"/>
-  </ds:schemaRefs>
-</ds:datastoreItem>
 </file>